--- a/Image/algo.pptx
+++ b/Image/algo.pptx
@@ -107,6 +107,11 @@
       </a:defRPr>
     </a:lvl9pPr>
   </p:defaultTextStyle>
+  <p:extLst>
+    <p:ext uri="{EFAFB233-063F-42B5-8137-9DF3F51BA10A}">
+      <p15:sldGuideLst xmlns:p15="http://schemas.microsoft.com/office/powerpoint/2012/main"/>
+    </p:ext>
+  </p:extLst>
 </p:presentation>
 </file>
 
@@ -192,7 +197,7 @@
           <a:p>
             <a:fld id="{F2C7C849-146A-45EB-B944-C43D0B2553EF}" type="datetimeFigureOut">
               <a:rPr lang="fr-BE" smtClean="0"/>
-              <a:t>05-08-20</a:t>
+              <a:t>15-08-20</a:t>
             </a:fld>
             <a:endParaRPr lang="fr-BE"/>
           </a:p>
@@ -693,7 +698,7 @@
           <a:p>
             <a:fld id="{E8CF8DED-EE59-440E-A074-E65D9174893E}" type="datetimeFigureOut">
               <a:rPr lang="fr-BE" smtClean="0"/>
-              <a:t>05-08-20</a:t>
+              <a:t>15-08-20</a:t>
             </a:fld>
             <a:endParaRPr lang="fr-BE"/>
           </a:p>
@@ -893,7 +898,7 @@
           <a:p>
             <a:fld id="{E8CF8DED-EE59-440E-A074-E65D9174893E}" type="datetimeFigureOut">
               <a:rPr lang="fr-BE" smtClean="0"/>
-              <a:t>05-08-20</a:t>
+              <a:t>15-08-20</a:t>
             </a:fld>
             <a:endParaRPr lang="fr-BE"/>
           </a:p>
@@ -1103,7 +1108,7 @@
           <a:p>
             <a:fld id="{E8CF8DED-EE59-440E-A074-E65D9174893E}" type="datetimeFigureOut">
               <a:rPr lang="fr-BE" smtClean="0"/>
-              <a:t>05-08-20</a:t>
+              <a:t>15-08-20</a:t>
             </a:fld>
             <a:endParaRPr lang="fr-BE"/>
           </a:p>
@@ -1303,7 +1308,7 @@
           <a:p>
             <a:fld id="{E8CF8DED-EE59-440E-A074-E65D9174893E}" type="datetimeFigureOut">
               <a:rPr lang="fr-BE" smtClean="0"/>
-              <a:t>05-08-20</a:t>
+              <a:t>15-08-20</a:t>
             </a:fld>
             <a:endParaRPr lang="fr-BE"/>
           </a:p>
@@ -1579,7 +1584,7 @@
           <a:p>
             <a:fld id="{E8CF8DED-EE59-440E-A074-E65D9174893E}" type="datetimeFigureOut">
               <a:rPr lang="fr-BE" smtClean="0"/>
-              <a:t>05-08-20</a:t>
+              <a:t>15-08-20</a:t>
             </a:fld>
             <a:endParaRPr lang="fr-BE"/>
           </a:p>
@@ -1847,7 +1852,7 @@
           <a:p>
             <a:fld id="{E8CF8DED-EE59-440E-A074-E65D9174893E}" type="datetimeFigureOut">
               <a:rPr lang="fr-BE" smtClean="0"/>
-              <a:t>05-08-20</a:t>
+              <a:t>15-08-20</a:t>
             </a:fld>
             <a:endParaRPr lang="fr-BE"/>
           </a:p>
@@ -2262,7 +2267,7 @@
           <a:p>
             <a:fld id="{E8CF8DED-EE59-440E-A074-E65D9174893E}" type="datetimeFigureOut">
               <a:rPr lang="fr-BE" smtClean="0"/>
-              <a:t>05-08-20</a:t>
+              <a:t>15-08-20</a:t>
             </a:fld>
             <a:endParaRPr lang="fr-BE"/>
           </a:p>
@@ -2404,7 +2409,7 @@
           <a:p>
             <a:fld id="{E8CF8DED-EE59-440E-A074-E65D9174893E}" type="datetimeFigureOut">
               <a:rPr lang="fr-BE" smtClean="0"/>
-              <a:t>05-08-20</a:t>
+              <a:t>15-08-20</a:t>
             </a:fld>
             <a:endParaRPr lang="fr-BE"/>
           </a:p>
@@ -2517,7 +2522,7 @@
           <a:p>
             <a:fld id="{E8CF8DED-EE59-440E-A074-E65D9174893E}" type="datetimeFigureOut">
               <a:rPr lang="fr-BE" smtClean="0"/>
-              <a:t>05-08-20</a:t>
+              <a:t>15-08-20</a:t>
             </a:fld>
             <a:endParaRPr lang="fr-BE"/>
           </a:p>
@@ -2830,7 +2835,7 @@
           <a:p>
             <a:fld id="{E8CF8DED-EE59-440E-A074-E65D9174893E}" type="datetimeFigureOut">
               <a:rPr lang="fr-BE" smtClean="0"/>
-              <a:t>05-08-20</a:t>
+              <a:t>15-08-20</a:t>
             </a:fld>
             <a:endParaRPr lang="fr-BE"/>
           </a:p>
@@ -3119,7 +3124,7 @@
           <a:p>
             <a:fld id="{E8CF8DED-EE59-440E-A074-E65D9174893E}" type="datetimeFigureOut">
               <a:rPr lang="fr-BE" smtClean="0"/>
-              <a:t>05-08-20</a:t>
+              <a:t>15-08-20</a:t>
             </a:fld>
             <a:endParaRPr lang="fr-BE"/>
           </a:p>
@@ -3362,7 +3367,7 @@
           <a:p>
             <a:fld id="{E8CF8DED-EE59-440E-A074-E65D9174893E}" type="datetimeFigureOut">
               <a:rPr lang="fr-BE" smtClean="0"/>
-              <a:t>05-08-20</a:t>
+              <a:t>15-08-20</a:t>
             </a:fld>
             <a:endParaRPr lang="fr-BE"/>
           </a:p>
@@ -4064,51 +4069,6 @@
       </p:cxnSp>
       <p:cxnSp>
         <p:nvCxnSpPr>
-          <p:cNvPr id="238" name="Connecteur droit avec flèche 237">
-            <a:extLst>
-              <a:ext uri="{FF2B5EF4-FFF2-40B4-BE49-F238E27FC236}">
-                <a16:creationId xmlns:a16="http://schemas.microsoft.com/office/drawing/2014/main" id="{A0161AAB-FF3C-42E3-BB2F-99456A40CE79}"/>
-              </a:ext>
-            </a:extLst>
-          </p:cNvPr>
-          <p:cNvCxnSpPr>
-            <a:cxnSpLocks/>
-          </p:cNvCxnSpPr>
-          <p:nvPr/>
-        </p:nvCxnSpPr>
-        <p:spPr>
-          <a:xfrm flipV="1">
-            <a:off x="5840631" y="4482543"/>
-            <a:ext cx="0" cy="616674"/>
-          </a:xfrm>
-          <a:prstGeom prst="straightConnector1">
-            <a:avLst/>
-          </a:prstGeom>
-          <a:ln>
-            <a:solidFill>
-              <a:srgbClr val="C00000"/>
-            </a:solidFill>
-            <a:headEnd type="triangle"/>
-            <a:tailEnd type="triangle"/>
-          </a:ln>
-        </p:spPr>
-        <p:style>
-          <a:lnRef idx="1">
-            <a:schemeClr val="accent1"/>
-          </a:lnRef>
-          <a:fillRef idx="0">
-            <a:schemeClr val="accent1"/>
-          </a:fillRef>
-          <a:effectRef idx="0">
-            <a:schemeClr val="accent1"/>
-          </a:effectRef>
-          <a:fontRef idx="minor">
-            <a:schemeClr val="tx1"/>
-          </a:fontRef>
-        </p:style>
-      </p:cxnSp>
-      <p:cxnSp>
-        <p:nvCxnSpPr>
           <p:cNvPr id="239" name="Connecteur droit avec flèche 238">
             <a:extLst>
               <a:ext uri="{FF2B5EF4-FFF2-40B4-BE49-F238E27FC236}">
@@ -4163,7 +4123,7 @@
         <p:spPr>
           <a:xfrm>
             <a:off x="1511403" y="2866179"/>
-            <a:ext cx="462987" cy="260530"/>
+            <a:ext cx="531802" cy="260530"/>
           </a:xfrm>
           <a:prstGeom prst="rect">
             <a:avLst/>
@@ -4185,7 +4145,7 @@
               </a:spcAft>
             </a:pPr>
             <a:r>
-              <a:rPr lang="fr-FR" sz="1000" kern="1200">
+              <a:rPr lang="fr-FR" sz="1200" kern="1200" dirty="0" err="1">
                 <a:solidFill>
                   <a:srgbClr val="000000"/>
                 </a:solidFill>
@@ -4196,178 +4156,7 @@
               </a:rPr>
               <a:t>Npar</a:t>
             </a:r>
-            <a:endParaRPr lang="fr-BE" sz="1100">
-              <a:effectLst/>
-              <a:latin typeface="Calibri" panose="020F0502020204030204" pitchFamily="34" charset="0"/>
-              <a:ea typeface="Calibri" panose="020F0502020204030204" pitchFamily="34" charset="0"/>
-              <a:cs typeface="Times New Roman" panose="02020603050405020304" pitchFamily="18" charset="0"/>
-            </a:endParaRPr>
-          </a:p>
-        </p:txBody>
-      </p:sp>
-      <p:sp>
-        <p:nvSpPr>
-          <p:cNvPr id="241" name="ZoneTexte 24">
-            <a:extLst>
-              <a:ext uri="{FF2B5EF4-FFF2-40B4-BE49-F238E27FC236}">
-                <a16:creationId xmlns:a16="http://schemas.microsoft.com/office/drawing/2014/main" id="{75459C63-7AFC-4045-8F27-534DD0072D24}"/>
-              </a:ext>
-            </a:extLst>
-          </p:cNvPr>
-          <p:cNvSpPr txBox="1"/>
-          <p:nvPr/>
-        </p:nvSpPr>
-        <p:spPr>
-          <a:xfrm>
-            <a:off x="1511403" y="3477420"/>
-            <a:ext cx="462986" cy="260530"/>
-          </a:xfrm>
-          <a:prstGeom prst="rect">
-            <a:avLst/>
-          </a:prstGeom>
-          <a:noFill/>
-        </p:spPr>
-        <p:txBody>
-          <a:bodyPr wrap="square" rtlCol="0">
-            <a:noAutofit/>
-          </a:bodyPr>
-          <a:lstStyle/>
-          <a:p>
-            <a:pPr>
-              <a:lnSpc>
-                <a:spcPct val="107000"/>
-              </a:lnSpc>
-              <a:spcAft>
-                <a:spcPts val="800"/>
-              </a:spcAft>
-            </a:pPr>
-            <a:r>
-              <a:rPr lang="fr-FR" sz="1000" kern="1200" dirty="0" err="1">
-                <a:solidFill>
-                  <a:srgbClr val="000000"/>
-                </a:solidFill>
-                <a:effectLst/>
-                <a:latin typeface="Calibri" panose="020F0502020204030204" pitchFamily="34" charset="0"/>
-                <a:ea typeface="Calibri" panose="020F0502020204030204" pitchFamily="34" charset="0"/>
-                <a:cs typeface="Times New Roman" panose="02020603050405020304" pitchFamily="18" charset="0"/>
-              </a:rPr>
-              <a:t>Npar</a:t>
-            </a:r>
-            <a:endParaRPr lang="fr-BE" sz="1100" dirty="0">
-              <a:effectLst/>
-              <a:latin typeface="Calibri" panose="020F0502020204030204" pitchFamily="34" charset="0"/>
-              <a:ea typeface="Calibri" panose="020F0502020204030204" pitchFamily="34" charset="0"/>
-              <a:cs typeface="Times New Roman" panose="02020603050405020304" pitchFamily="18" charset="0"/>
-            </a:endParaRPr>
-          </a:p>
-        </p:txBody>
-      </p:sp>
-      <p:sp>
-        <p:nvSpPr>
-          <p:cNvPr id="242" name="ZoneTexte 25">
-            <a:extLst>
-              <a:ext uri="{FF2B5EF4-FFF2-40B4-BE49-F238E27FC236}">
-                <a16:creationId xmlns:a16="http://schemas.microsoft.com/office/drawing/2014/main" id="{BEE4417A-23A1-4DD1-9594-12DAD786DFC1}"/>
-              </a:ext>
-            </a:extLst>
-          </p:cNvPr>
-          <p:cNvSpPr txBox="1"/>
-          <p:nvPr/>
-        </p:nvSpPr>
-        <p:spPr>
-          <a:xfrm>
-            <a:off x="1503801" y="4078829"/>
-            <a:ext cx="489560" cy="340308"/>
-          </a:xfrm>
-          <a:prstGeom prst="rect">
-            <a:avLst/>
-          </a:prstGeom>
-          <a:noFill/>
-        </p:spPr>
-        <p:txBody>
-          <a:bodyPr wrap="square" rtlCol="0">
-            <a:noAutofit/>
-          </a:bodyPr>
-          <a:lstStyle/>
-          <a:p>
-            <a:pPr>
-              <a:lnSpc>
-                <a:spcPct val="107000"/>
-              </a:lnSpc>
-              <a:spcAft>
-                <a:spcPts val="800"/>
-              </a:spcAft>
-            </a:pPr>
-            <a:r>
-              <a:rPr lang="fr-FR" sz="1000" kern="1200">
-                <a:solidFill>
-                  <a:srgbClr val="000000"/>
-                </a:solidFill>
-                <a:effectLst/>
-                <a:latin typeface="Calibri" panose="020F0502020204030204" pitchFamily="34" charset="0"/>
-                <a:ea typeface="Calibri" panose="020F0502020204030204" pitchFamily="34" charset="0"/>
-                <a:cs typeface="Times New Roman" panose="02020603050405020304" pitchFamily="18" charset="0"/>
-              </a:rPr>
-              <a:t>Npar</a:t>
-            </a:r>
-            <a:endParaRPr lang="fr-BE" sz="1100">
-              <a:effectLst/>
-              <a:latin typeface="Calibri" panose="020F0502020204030204" pitchFamily="34" charset="0"/>
-              <a:ea typeface="Calibri" panose="020F0502020204030204" pitchFamily="34" charset="0"/>
-              <a:cs typeface="Times New Roman" panose="02020603050405020304" pitchFamily="18" charset="0"/>
-            </a:endParaRPr>
-          </a:p>
-        </p:txBody>
-      </p:sp>
-      <p:sp>
-        <p:nvSpPr>
-          <p:cNvPr id="243" name="ZoneTexte 26">
-            <a:extLst>
-              <a:ext uri="{FF2B5EF4-FFF2-40B4-BE49-F238E27FC236}">
-                <a16:creationId xmlns:a16="http://schemas.microsoft.com/office/drawing/2014/main" id="{BF2B219B-F73F-41BC-B604-C1092FA40814}"/>
-              </a:ext>
-            </a:extLst>
-          </p:cNvPr>
-          <p:cNvSpPr txBox="1"/>
-          <p:nvPr/>
-        </p:nvSpPr>
-        <p:spPr>
-          <a:xfrm>
-            <a:off x="1488249" y="4738711"/>
-            <a:ext cx="483961" cy="340308"/>
-          </a:xfrm>
-          <a:prstGeom prst="rect">
-            <a:avLst/>
-          </a:prstGeom>
-          <a:noFill/>
-        </p:spPr>
-        <p:txBody>
-          <a:bodyPr wrap="square" rtlCol="0">
-            <a:noAutofit/>
-          </a:bodyPr>
-          <a:lstStyle/>
-          <a:p>
-            <a:pPr>
-              <a:lnSpc>
-                <a:spcPct val="107000"/>
-              </a:lnSpc>
-              <a:spcAft>
-                <a:spcPts val="800"/>
-              </a:spcAft>
-            </a:pPr>
-            <a:r>
-              <a:rPr lang="fr-FR" sz="1000" kern="1200" dirty="0" err="1">
-                <a:solidFill>
-                  <a:srgbClr val="000000"/>
-                </a:solidFill>
-                <a:effectLst/>
-                <a:latin typeface="Calibri" panose="020F0502020204030204" pitchFamily="34" charset="0"/>
-                <a:ea typeface="Calibri" panose="020F0502020204030204" pitchFamily="34" charset="0"/>
-                <a:cs typeface="Times New Roman" panose="02020603050405020304" pitchFamily="18" charset="0"/>
-              </a:rPr>
-              <a:t>Npar</a:t>
-            </a:r>
-            <a:endParaRPr lang="fr-BE" sz="1100" dirty="0">
+            <a:endParaRPr lang="fr-BE" sz="1600" dirty="0">
               <a:effectLst/>
               <a:latin typeface="Calibri" panose="020F0502020204030204" pitchFamily="34" charset="0"/>
               <a:ea typeface="Calibri" panose="020F0502020204030204" pitchFamily="34" charset="0"/>
@@ -4432,14 +4221,13 @@
           </p:cNvPr>
           <p:cNvCxnSpPr>
             <a:cxnSpLocks/>
-            <a:stCxn id="256" idx="3"/>
           </p:cNvCxnSpPr>
           <p:nvPr/>
         </p:nvCxnSpPr>
         <p:spPr>
           <a:xfrm>
-            <a:off x="6547793" y="4790880"/>
-            <a:ext cx="858144" cy="0"/>
+            <a:off x="6603126" y="4781139"/>
+            <a:ext cx="774326" cy="0"/>
           </a:xfrm>
           <a:prstGeom prst="straightConnector1">
             <a:avLst/>
@@ -4611,7 +4399,7 @@
             </p:nvSpPr>
             <p:spPr>
               <a:xfrm>
-                <a:off x="3151409" y="1639992"/>
+                <a:off x="3151409" y="1462014"/>
                 <a:ext cx="1616950" cy="306318"/>
               </a:xfrm>
               <a:prstGeom prst="rect">
@@ -4687,7 +4475,7 @@
             </p:nvSpPr>
             <p:spPr>
               <a:xfrm>
-                <a:off x="3151409" y="1639992"/>
+                <a:off x="3151409" y="1462014"/>
                 <a:ext cx="1616950" cy="306318"/>
               </a:xfrm>
               <a:prstGeom prst="rect">
@@ -4715,44 +4503,135 @@
           </p:sp>
         </mc:Fallback>
       </mc:AlternateContent>
-      <p:sp>
-        <p:nvSpPr>
-          <p:cNvPr id="256" name="ZoneTexte 255">
-            <a:extLst>
-              <a:ext uri="{FF2B5EF4-FFF2-40B4-BE49-F238E27FC236}">
-                <a16:creationId xmlns:a16="http://schemas.microsoft.com/office/drawing/2014/main" id="{C16ECC80-8574-4FEB-ADD1-F25667350193}"/>
-              </a:ext>
-            </a:extLst>
-          </p:cNvPr>
-          <p:cNvSpPr txBox="1"/>
-          <p:nvPr/>
-        </p:nvSpPr>
-        <p:spPr>
-          <a:xfrm>
-            <a:off x="5856919" y="4606214"/>
-            <a:ext cx="690874" cy="369332"/>
-          </a:xfrm>
-          <a:prstGeom prst="rect">
-            <a:avLst/>
-          </a:prstGeom>
-          <a:noFill/>
-        </p:spPr>
-        <p:txBody>
-          <a:bodyPr wrap="square" rtlCol="0">
-            <a:spAutoFit/>
-          </a:bodyPr>
-          <a:lstStyle/>
-          <a:p>
-            <a:r>
-              <a:rPr lang="fr-FR" dirty="0" err="1"/>
-              <a:t>Npar</a:t>
-            </a:r>
-            <a:endParaRPr lang="fr-BE" dirty="0"/>
-          </a:p>
-        </p:txBody>
-      </p:sp>
-      <mc:AlternateContent xmlns:mc="http://schemas.openxmlformats.org/markup-compatibility/2006">
-        <mc:Choice xmlns:a14="http://schemas.microsoft.com/office/drawing/2010/main" Requires="a14">
+      <mc:AlternateContent xmlns:mc="http://schemas.openxmlformats.org/markup-compatibility/2006" xmlns:a14="http://schemas.microsoft.com/office/drawing/2010/main">
+        <mc:Choice Requires="a14">
+          <p:sp>
+            <p:nvSpPr>
+              <p:cNvPr id="256" name="ZoneTexte 255">
+                <a:extLst>
+                  <a:ext uri="{FF2B5EF4-FFF2-40B4-BE49-F238E27FC236}">
+                    <a16:creationId xmlns:a16="http://schemas.microsoft.com/office/drawing/2014/main" id="{C16ECC80-8574-4FEB-ADD1-F25667350193}"/>
+                  </a:ext>
+                </a:extLst>
+              </p:cNvPr>
+              <p:cNvSpPr txBox="1"/>
+              <p:nvPr/>
+            </p:nvSpPr>
+            <p:spPr>
+              <a:xfrm>
+                <a:off x="5976182" y="4706836"/>
+                <a:ext cx="690874" cy="369332"/>
+              </a:xfrm>
+              <a:prstGeom prst="rect">
+                <a:avLst/>
+              </a:prstGeom>
+              <a:noFill/>
+            </p:spPr>
+            <p:txBody>
+              <a:bodyPr wrap="square" lIns="0" rIns="0" rtlCol="0">
+                <a:spAutoFit/>
+              </a:bodyPr>
+              <a:lstStyle/>
+              <a:p>
+                <a:pPr/>
+                <a14:m>
+                  <m:oMathPara xmlns:m="http://schemas.openxmlformats.org/officeDocument/2006/math">
+                    <m:oMathParaPr>
+                      <m:jc m:val="centerGroup"/>
+                    </m:oMathParaPr>
+                    <m:oMath xmlns:m="http://schemas.openxmlformats.org/officeDocument/2006/math">
+                      <m:r>
+                        <a:rPr lang="fr-FR" b="0" i="1" smtClean="0">
+                          <a:latin typeface="Cambria Math" panose="02040503050406030204" pitchFamily="18" charset="0"/>
+                        </a:rPr>
+                        <m:t>𝑔</m:t>
+                      </m:r>
+                      <m:sSub>
+                        <m:sSubPr>
+                          <m:ctrlPr>
+                            <a:rPr lang="fr-FR" b="0" i="1" smtClean="0">
+                              <a:latin typeface="Cambria Math" panose="02040503050406030204" pitchFamily="18" charset="0"/>
+                            </a:rPr>
+                          </m:ctrlPr>
+                        </m:sSubPr>
+                        <m:e>
+                          <m:r>
+                            <a:rPr lang="fr-FR" b="0" i="1" smtClean="0">
+                              <a:latin typeface="Cambria Math" panose="02040503050406030204" pitchFamily="18" charset="0"/>
+                            </a:rPr>
+                            <m:t>𝑟</m:t>
+                          </m:r>
+                        </m:e>
+                        <m:sub>
+                          <m:r>
+                            <a:rPr lang="fr-FR" b="0" i="1" smtClean="0">
+                              <a:latin typeface="Cambria Math" panose="02040503050406030204" pitchFamily="18" charset="0"/>
+                            </a:rPr>
+                            <m:t>𝑖𝑛𝑡</m:t>
+                          </m:r>
+                          <m:r>
+                            <a:rPr lang="fr-FR" b="0" i="1" smtClean="0">
+                              <a:latin typeface="Cambria Math" panose="02040503050406030204" pitchFamily="18" charset="0"/>
+                            </a:rPr>
+                            <m:t>−0</m:t>
+                          </m:r>
+                        </m:sub>
+                      </m:sSub>
+                    </m:oMath>
+                  </m:oMathPara>
+                </a14:m>
+                <a:endParaRPr lang="fr-BE" dirty="0"/>
+              </a:p>
+            </p:txBody>
+          </p:sp>
+        </mc:Choice>
+        <mc:Fallback xmlns="">
+          <p:sp>
+            <p:nvSpPr>
+              <p:cNvPr id="256" name="ZoneTexte 255">
+                <a:extLst>
+                  <a:ext uri="{FF2B5EF4-FFF2-40B4-BE49-F238E27FC236}">
+                    <a16:creationId xmlns:a16="http://schemas.microsoft.com/office/drawing/2014/main" id="{C16ECC80-8574-4FEB-ADD1-F25667350193}"/>
+                  </a:ext>
+                </a:extLst>
+              </p:cNvPr>
+              <p:cNvSpPr txBox="1">
+                <a:spLocks noRot="1" noChangeAspect="1" noMove="1" noResize="1" noEditPoints="1" noAdjustHandles="1" noChangeArrowheads="1" noChangeShapeType="1" noTextEdit="1"/>
+              </p:cNvSpPr>
+              <p:nvPr/>
+            </p:nvSpPr>
+            <p:spPr>
+              <a:xfrm>
+                <a:off x="5976182" y="4706836"/>
+                <a:ext cx="690874" cy="369332"/>
+              </a:xfrm>
+              <a:prstGeom prst="rect">
+                <a:avLst/>
+              </a:prstGeom>
+              <a:blipFill>
+                <a:blip r:embed="rId4"/>
+                <a:stretch>
+                  <a:fillRect l="-12281" r="-7895" b="-6557"/>
+                </a:stretch>
+              </a:blipFill>
+            </p:spPr>
+            <p:txBody>
+              <a:bodyPr/>
+              <a:lstStyle/>
+              <a:p>
+                <a:r>
+                  <a:rPr lang="fr-BE">
+                    <a:noFill/>
+                  </a:rPr>
+                  <a:t> </a:t>
+                </a:r>
+              </a:p>
+            </p:txBody>
+          </p:sp>
+        </mc:Fallback>
+      </mc:AlternateContent>
+      <mc:AlternateContent xmlns:mc="http://schemas.openxmlformats.org/markup-compatibility/2006" xmlns:a14="http://schemas.microsoft.com/office/drawing/2010/main">
+        <mc:Choice Requires="a14">
           <p:sp>
             <p:nvSpPr>
               <p:cNvPr id="259" name="ZoneTexte 258">
@@ -4781,6 +4660,7 @@
               </a:bodyPr>
               <a:lstStyle/>
               <a:p>
+                <a:pPr/>
                 <a14:m>
                   <m:oMathPara xmlns:m="http://schemas.openxmlformats.org/officeDocument/2006/math">
                     <m:oMathParaPr>
@@ -4820,7 +4700,7 @@
             </p:txBody>
           </p:sp>
         </mc:Choice>
-        <mc:Fallback>
+        <mc:Fallback xmlns="">
           <p:sp>
             <p:nvSpPr>
               <p:cNvPr id="259" name="ZoneTexte 258">
@@ -4844,7 +4724,7 @@
                 <a:avLst/>
               </a:prstGeom>
               <a:blipFill>
-                <a:blip r:embed="rId4"/>
+                <a:blip r:embed="rId5"/>
                 <a:stretch>
                   <a:fillRect b="-9375"/>
                 </a:stretch>
@@ -4881,7 +4761,7 @@
             </p:nvSpPr>
             <p:spPr>
               <a:xfrm>
-                <a:off x="6033141" y="1639992"/>
+                <a:off x="6059967" y="1459722"/>
                 <a:ext cx="1214178" cy="664325"/>
               </a:xfrm>
               <a:prstGeom prst="rect">
@@ -4991,14 +4871,14 @@
             </p:nvSpPr>
             <p:spPr>
               <a:xfrm>
-                <a:off x="6033141" y="1639992"/>
+                <a:off x="6059967" y="1459722"/>
                 <a:ext cx="1214178" cy="664325"/>
               </a:xfrm>
               <a:prstGeom prst="rect">
                 <a:avLst/>
               </a:prstGeom>
               <a:blipFill>
-                <a:blip r:embed="rId5"/>
+                <a:blip r:embed="rId6"/>
                 <a:stretch>
                   <a:fillRect/>
                 </a:stretch>
@@ -5239,14 +5119,13 @@
           </p:cNvPr>
           <p:cNvCxnSpPr>
             <a:cxnSpLocks/>
-            <a:stCxn id="330" idx="3"/>
           </p:cNvCxnSpPr>
           <p:nvPr/>
         </p:nvCxnSpPr>
         <p:spPr>
-          <a:xfrm>
-            <a:off x="6552843" y="2715136"/>
-            <a:ext cx="852693" cy="0"/>
+          <a:xfrm flipV="1">
+            <a:off x="6722803" y="2715138"/>
+            <a:ext cx="682733" cy="9745"/>
           </a:xfrm>
           <a:prstGeom prst="straightConnector1">
             <a:avLst/>
@@ -5318,87 +5197,183 @@
           </a:fontRef>
         </p:style>
       </p:cxnSp>
-      <p:cxnSp>
-        <p:nvCxnSpPr>
-          <p:cNvPr id="329" name="Connecteur droit avec flèche 328">
-            <a:extLst>
-              <a:ext uri="{FF2B5EF4-FFF2-40B4-BE49-F238E27FC236}">
-                <a16:creationId xmlns:a16="http://schemas.microsoft.com/office/drawing/2014/main" id="{5577986D-C973-4EDE-9BCC-35DA9A20259C}"/>
-              </a:ext>
-            </a:extLst>
-          </p:cNvPr>
-          <p:cNvCxnSpPr>
-            <a:cxnSpLocks/>
-          </p:cNvCxnSpPr>
-          <p:nvPr/>
-        </p:nvCxnSpPr>
-        <p:spPr>
-          <a:xfrm flipV="1">
-            <a:off x="5806217" y="2406799"/>
-            <a:ext cx="0" cy="616674"/>
-          </a:xfrm>
-          <a:prstGeom prst="straightConnector1">
-            <a:avLst/>
-          </a:prstGeom>
-          <a:ln>
-            <a:solidFill>
-              <a:srgbClr val="7030A0"/>
-            </a:solidFill>
-            <a:headEnd type="triangle"/>
-            <a:tailEnd type="triangle"/>
-          </a:ln>
-        </p:spPr>
-        <p:style>
-          <a:lnRef idx="1">
-            <a:schemeClr val="accent1"/>
-          </a:lnRef>
-          <a:fillRef idx="0">
-            <a:schemeClr val="accent1"/>
-          </a:fillRef>
-          <a:effectRef idx="0">
-            <a:schemeClr val="accent1"/>
-          </a:effectRef>
-          <a:fontRef idx="minor">
-            <a:schemeClr val="tx1"/>
-          </a:fontRef>
-        </p:style>
-      </p:cxnSp>
-      <p:sp>
-        <p:nvSpPr>
-          <p:cNvPr id="330" name="ZoneTexte 329">
-            <a:extLst>
-              <a:ext uri="{FF2B5EF4-FFF2-40B4-BE49-F238E27FC236}">
-                <a16:creationId xmlns:a16="http://schemas.microsoft.com/office/drawing/2014/main" id="{6F4F335F-DF89-4508-81E2-2AF14B0D8D2F}"/>
-              </a:ext>
-            </a:extLst>
-          </p:cNvPr>
-          <p:cNvSpPr txBox="1"/>
-          <p:nvPr/>
-        </p:nvSpPr>
-        <p:spPr>
-          <a:xfrm>
-            <a:off x="5861969" y="2530470"/>
-            <a:ext cx="690874" cy="369332"/>
-          </a:xfrm>
-          <a:prstGeom prst="rect">
-            <a:avLst/>
-          </a:prstGeom>
-          <a:noFill/>
-        </p:spPr>
-        <p:txBody>
-          <a:bodyPr wrap="square" rtlCol="0">
-            <a:spAutoFit/>
-          </a:bodyPr>
-          <a:lstStyle/>
-          <a:p>
-            <a:r>
-              <a:rPr lang="fr-FR" dirty="0" err="1"/>
-              <a:t>Npar</a:t>
-            </a:r>
-            <a:endParaRPr lang="fr-BE" dirty="0"/>
-          </a:p>
-        </p:txBody>
-      </p:sp>
+      <mc:AlternateContent xmlns:mc="http://schemas.openxmlformats.org/markup-compatibility/2006" xmlns:a14="http://schemas.microsoft.com/office/drawing/2010/main">
+        <mc:Choice Requires="a14">
+          <p:sp>
+            <p:nvSpPr>
+              <p:cNvPr id="330" name="ZoneTexte 329">
+                <a:extLst>
+                  <a:ext uri="{FF2B5EF4-FFF2-40B4-BE49-F238E27FC236}">
+                    <a16:creationId xmlns:a16="http://schemas.microsoft.com/office/drawing/2014/main" id="{6F4F335F-DF89-4508-81E2-2AF14B0D8D2F}"/>
+                  </a:ext>
+                </a:extLst>
+              </p:cNvPr>
+              <p:cNvSpPr txBox="1"/>
+              <p:nvPr/>
+            </p:nvSpPr>
+            <p:spPr>
+              <a:xfrm>
+                <a:off x="5823533" y="2221370"/>
+                <a:ext cx="690874" cy="451406"/>
+              </a:xfrm>
+              <a:prstGeom prst="rect">
+                <a:avLst/>
+              </a:prstGeom>
+              <a:noFill/>
+            </p:spPr>
+            <p:txBody>
+              <a:bodyPr wrap="square" rtlCol="0">
+                <a:spAutoFit/>
+              </a:bodyPr>
+              <a:lstStyle/>
+              <a:p>
+                <a:pPr/>
+                <a14:m>
+                  <m:oMathPara xmlns:m="http://schemas.openxmlformats.org/officeDocument/2006/math">
+                    <m:oMathParaPr>
+                      <m:jc m:val="centerGroup"/>
+                    </m:oMathParaPr>
+                    <m:oMath xmlns:m="http://schemas.openxmlformats.org/officeDocument/2006/math">
+                      <m:r>
+                        <a:rPr lang="fr-FR" b="0" i="1" smtClean="0">
+                          <a:latin typeface="Cambria Math" panose="02040503050406030204" pitchFamily="18" charset="0"/>
+                        </a:rPr>
+                        <m:t>𝑔</m:t>
+                      </m:r>
+                      <m:sSub>
+                        <m:sSubPr>
+                          <m:ctrlPr>
+                            <a:rPr lang="fr-FR" b="0" i="1" smtClean="0">
+                              <a:latin typeface="Cambria Math" panose="02040503050406030204" pitchFamily="18" charset="0"/>
+                            </a:rPr>
+                          </m:ctrlPr>
+                        </m:sSubPr>
+                        <m:e>
+                          <m:r>
+                            <a:rPr lang="fr-FR" b="0" i="1" smtClean="0">
+                              <a:latin typeface="Cambria Math" panose="02040503050406030204" pitchFamily="18" charset="0"/>
+                            </a:rPr>
+                            <m:t>𝑟</m:t>
+                          </m:r>
+                        </m:e>
+                        <m:sub>
+                          <m:r>
+                            <a:rPr lang="fr-FR" b="0" i="1" smtClean="0">
+                              <a:latin typeface="Cambria Math" panose="02040503050406030204" pitchFamily="18" charset="0"/>
+                            </a:rPr>
+                            <m:t>𝑖𝑛𝑡</m:t>
+                          </m:r>
+                          <m:r>
+                            <a:rPr lang="fr-FR" b="0" i="1" smtClean="0">
+                              <a:latin typeface="Cambria Math" panose="02040503050406030204" pitchFamily="18" charset="0"/>
+                            </a:rPr>
+                            <m:t>−</m:t>
+                          </m:r>
+                          <m:sSub>
+                            <m:sSubPr>
+                              <m:ctrlPr>
+                                <a:rPr lang="fr-FR" b="0" i="1" smtClean="0">
+                                  <a:latin typeface="Cambria Math" panose="02040503050406030204" pitchFamily="18" charset="0"/>
+                                </a:rPr>
+                              </m:ctrlPr>
+                            </m:sSubPr>
+                            <m:e>
+                              <m:r>
+                                <a:rPr lang="fr-FR" b="0" i="1" smtClean="0">
+                                  <a:latin typeface="Cambria Math" panose="02040503050406030204" pitchFamily="18" charset="0"/>
+                                </a:rPr>
+                                <m:t>𝑁</m:t>
+                              </m:r>
+                            </m:e>
+                            <m:sub>
+                              <m:r>
+                                <a:rPr lang="fr-FR" b="0" i="1" smtClean="0">
+                                  <a:latin typeface="Cambria Math" panose="02040503050406030204" pitchFamily="18" charset="0"/>
+                                </a:rPr>
+                                <m:t>𝑔</m:t>
+                              </m:r>
+                              <m:sSub>
+                                <m:sSubPr>
+                                  <m:ctrlPr>
+                                    <a:rPr lang="fr-FR" b="0" i="1" smtClean="0">
+                                      <a:latin typeface="Cambria Math" panose="02040503050406030204" pitchFamily="18" charset="0"/>
+                                    </a:rPr>
+                                  </m:ctrlPr>
+                                </m:sSubPr>
+                                <m:e>
+                                  <m:r>
+                                    <a:rPr lang="fr-FR" b="0" i="1" smtClean="0">
+                                      <a:latin typeface="Cambria Math" panose="02040503050406030204" pitchFamily="18" charset="0"/>
+                                    </a:rPr>
+                                    <m:t>𝑟</m:t>
+                                  </m:r>
+                                </m:e>
+                                <m:sub>
+                                  <m:r>
+                                    <a:rPr lang="fr-FR" b="0" i="1" smtClean="0">
+                                      <a:latin typeface="Cambria Math" panose="02040503050406030204" pitchFamily="18" charset="0"/>
+                                    </a:rPr>
+                                    <m:t>𝑖𝑛𝑡</m:t>
+                                  </m:r>
+                                </m:sub>
+                              </m:sSub>
+                            </m:sub>
+                          </m:sSub>
+                        </m:sub>
+                      </m:sSub>
+                    </m:oMath>
+                  </m:oMathPara>
+                </a14:m>
+                <a:endParaRPr lang="fr-BE" dirty="0"/>
+              </a:p>
+            </p:txBody>
+          </p:sp>
+        </mc:Choice>
+        <mc:Fallback xmlns="">
+          <p:sp>
+            <p:nvSpPr>
+              <p:cNvPr id="330" name="ZoneTexte 329">
+                <a:extLst>
+                  <a:ext uri="{FF2B5EF4-FFF2-40B4-BE49-F238E27FC236}">
+                    <a16:creationId xmlns:a16="http://schemas.microsoft.com/office/drawing/2014/main" id="{6F4F335F-DF89-4508-81E2-2AF14B0D8D2F}"/>
+                  </a:ext>
+                </a:extLst>
+              </p:cNvPr>
+              <p:cNvSpPr txBox="1">
+                <a:spLocks noRot="1" noChangeAspect="1" noMove="1" noResize="1" noEditPoints="1" noAdjustHandles="1" noChangeArrowheads="1" noChangeShapeType="1" noTextEdit="1"/>
+              </p:cNvSpPr>
+              <p:nvPr/>
+            </p:nvSpPr>
+            <p:spPr>
+              <a:xfrm>
+                <a:off x="5823533" y="2221370"/>
+                <a:ext cx="690874" cy="451406"/>
+              </a:xfrm>
+              <a:prstGeom prst="rect">
+                <a:avLst/>
+              </a:prstGeom>
+              <a:blipFill>
+                <a:blip r:embed="rId7"/>
+                <a:stretch>
+                  <a:fillRect r="-78947"/>
+                </a:stretch>
+              </a:blipFill>
+            </p:spPr>
+            <p:txBody>
+              <a:bodyPr/>
+              <a:lstStyle/>
+              <a:p>
+                <a:r>
+                  <a:rPr lang="fr-BE">
+                    <a:noFill/>
+                  </a:rPr>
+                  <a:t> </a:t>
+                </a:r>
+              </a:p>
+            </p:txBody>
+          </p:sp>
+        </mc:Fallback>
+      </mc:AlternateContent>
       <mc:AlternateContent xmlns:mc="http://schemas.openxmlformats.org/markup-compatibility/2006">
         <mc:Choice xmlns:a14="http://schemas.microsoft.com/office/drawing/2010/main" Requires="a14">
           <p:sp>
@@ -5415,7 +5390,7 @@
             </p:nvSpPr>
             <p:spPr>
               <a:xfrm>
-                <a:off x="8345613" y="1678783"/>
+                <a:off x="8363369" y="1466415"/>
                 <a:ext cx="1616950" cy="306318"/>
               </a:xfrm>
               <a:prstGeom prst="rect">
@@ -5509,16 +5484,16 @@
             </p:nvSpPr>
             <p:spPr>
               <a:xfrm>
-                <a:off x="8345613" y="1678783"/>
+                <a:off x="8363369" y="1466415"/>
                 <a:ext cx="1616950" cy="306318"/>
               </a:xfrm>
               <a:prstGeom prst="rect">
                 <a:avLst/>
               </a:prstGeom>
               <a:blipFill>
-                <a:blip r:embed="rId6"/>
+                <a:blip r:embed="rId8"/>
                 <a:stretch>
-                  <a:fillRect r="-19245" b="-1961"/>
+                  <a:fillRect r="-18868" b="-4000"/>
                 </a:stretch>
               </a:blipFill>
             </p:spPr>
@@ -5813,8 +5788,8 @@
           </a:p>
         </p:txBody>
       </p:sp>
-      <mc:AlternateContent xmlns:mc="http://schemas.openxmlformats.org/markup-compatibility/2006">
-        <mc:Choice xmlns:a14="http://schemas.microsoft.com/office/drawing/2010/main" Requires="a14">
+      <mc:AlternateContent xmlns:mc="http://schemas.openxmlformats.org/markup-compatibility/2006" xmlns:a14="http://schemas.microsoft.com/office/drawing/2010/main">
+        <mc:Choice Requires="a14">
           <p:sp>
             <p:nvSpPr>
               <p:cNvPr id="349" name="ZoneTexte 348">
@@ -5871,13 +5846,7 @@
                             <a:rPr lang="fr-FR" b="0" i="1" smtClean="0">
                               <a:latin typeface="Cambria Math" panose="02040503050406030204" pitchFamily="18" charset="0"/>
                             </a:rPr>
-                            <m:t>𝑖</m:t>
-                          </m:r>
-                          <m:r>
-                            <a:rPr lang="fr-FR" b="0" i="1" smtClean="0">
-                              <a:latin typeface="Cambria Math" panose="02040503050406030204" pitchFamily="18" charset="0"/>
-                            </a:rPr>
-                            <m:t>𝑓</m:t>
+                            <m:t>𝑖𝑓</m:t>
                           </m:r>
                         </m:sub>
                       </m:sSub>
@@ -5889,7 +5858,7 @@
             </p:txBody>
           </p:sp>
         </mc:Choice>
-        <mc:Fallback>
+        <mc:Fallback xmlns="">
           <p:sp>
             <p:nvSpPr>
               <p:cNvPr id="349" name="ZoneTexte 348">
@@ -5913,7 +5882,7 @@
                 <a:avLst/>
               </a:prstGeom>
               <a:blipFill>
-                <a:blip r:embed="rId7"/>
+                <a:blip r:embed="rId9"/>
                 <a:stretch>
                   <a:fillRect b="-9231"/>
                 </a:stretch>
@@ -7678,6 +7647,437 @@
           <a:lstStyle/>
           <a:p>
             <a:endParaRPr lang="fr-BE"/>
+          </a:p>
+        </p:txBody>
+      </p:sp>
+      <p:cxnSp>
+        <p:nvCxnSpPr>
+          <p:cNvPr id="76" name="Connecteur droit avec flèche 75">
+            <a:extLst>
+              <a:ext uri="{FF2B5EF4-FFF2-40B4-BE49-F238E27FC236}">
+                <a16:creationId xmlns:a16="http://schemas.microsoft.com/office/drawing/2014/main" id="{F51D9337-E353-4272-B8F5-27D453727CFC}"/>
+              </a:ext>
+            </a:extLst>
+          </p:cNvPr>
+          <p:cNvCxnSpPr>
+            <a:cxnSpLocks/>
+          </p:cNvCxnSpPr>
+          <p:nvPr/>
+        </p:nvCxnSpPr>
+        <p:spPr>
+          <a:xfrm flipV="1">
+            <a:off x="5050458" y="4466627"/>
+            <a:ext cx="0" cy="616674"/>
+          </a:xfrm>
+          <a:prstGeom prst="straightConnector1">
+            <a:avLst/>
+          </a:prstGeom>
+          <a:ln>
+            <a:solidFill>
+              <a:srgbClr val="C00000"/>
+            </a:solidFill>
+            <a:headEnd type="triangle"/>
+            <a:tailEnd type="triangle"/>
+          </a:ln>
+        </p:spPr>
+        <p:style>
+          <a:lnRef idx="1">
+            <a:schemeClr val="accent1"/>
+          </a:lnRef>
+          <a:fillRef idx="0">
+            <a:schemeClr val="accent1"/>
+          </a:fillRef>
+          <a:effectRef idx="0">
+            <a:schemeClr val="accent1"/>
+          </a:effectRef>
+          <a:fontRef idx="minor">
+            <a:schemeClr val="tx1"/>
+          </a:fontRef>
+        </p:style>
+      </p:cxnSp>
+      <p:cxnSp>
+        <p:nvCxnSpPr>
+          <p:cNvPr id="77" name="Connecteur droit avec flèche 76">
+            <a:extLst>
+              <a:ext uri="{FF2B5EF4-FFF2-40B4-BE49-F238E27FC236}">
+                <a16:creationId xmlns:a16="http://schemas.microsoft.com/office/drawing/2014/main" id="{49C7DF5D-C531-4540-A938-28D634FCD1D6}"/>
+              </a:ext>
+            </a:extLst>
+          </p:cNvPr>
+          <p:cNvCxnSpPr>
+            <a:cxnSpLocks/>
+          </p:cNvCxnSpPr>
+          <p:nvPr/>
+        </p:nvCxnSpPr>
+        <p:spPr>
+          <a:xfrm flipV="1">
+            <a:off x="5042405" y="2334412"/>
+            <a:ext cx="0" cy="616674"/>
+          </a:xfrm>
+          <a:prstGeom prst="straightConnector1">
+            <a:avLst/>
+          </a:prstGeom>
+          <a:ln>
+            <a:solidFill>
+              <a:srgbClr val="7030A0"/>
+            </a:solidFill>
+            <a:headEnd type="triangle"/>
+            <a:tailEnd type="triangle"/>
+          </a:ln>
+        </p:spPr>
+        <p:style>
+          <a:lnRef idx="1">
+            <a:schemeClr val="accent1"/>
+          </a:lnRef>
+          <a:fillRef idx="0">
+            <a:schemeClr val="accent1"/>
+          </a:fillRef>
+          <a:effectRef idx="0">
+            <a:schemeClr val="accent1"/>
+          </a:effectRef>
+          <a:fontRef idx="minor">
+            <a:schemeClr val="tx1"/>
+          </a:fontRef>
+        </p:style>
+      </p:cxnSp>
+      <p:sp>
+        <p:nvSpPr>
+          <p:cNvPr id="2" name="ZoneTexte 1">
+            <a:extLst>
+              <a:ext uri="{FF2B5EF4-FFF2-40B4-BE49-F238E27FC236}">
+                <a16:creationId xmlns:a16="http://schemas.microsoft.com/office/drawing/2014/main" id="{FBDB05E7-9D51-47D4-BBB2-4BE81B14429B}"/>
+              </a:ext>
+            </a:extLst>
+          </p:cNvPr>
+          <p:cNvSpPr txBox="1"/>
+          <p:nvPr/>
+        </p:nvSpPr>
+        <p:spPr>
+          <a:xfrm>
+            <a:off x="4384501" y="2318907"/>
+            <a:ext cx="690874" cy="369332"/>
+          </a:xfrm>
+          <a:prstGeom prst="rect">
+            <a:avLst/>
+          </a:prstGeom>
+          <a:noFill/>
+        </p:spPr>
+        <p:txBody>
+          <a:bodyPr wrap="square" rtlCol="0">
+            <a:spAutoFit/>
+          </a:bodyPr>
+          <a:lstStyle/>
+          <a:p>
+            <a:r>
+              <a:rPr lang="fr-FR" dirty="0" err="1"/>
+              <a:t>Npar</a:t>
+            </a:r>
+            <a:endParaRPr lang="fr-BE" dirty="0"/>
+          </a:p>
+        </p:txBody>
+      </p:sp>
+      <p:sp>
+        <p:nvSpPr>
+          <p:cNvPr id="3" name="ZoneTexte 2">
+            <a:extLst>
+              <a:ext uri="{FF2B5EF4-FFF2-40B4-BE49-F238E27FC236}">
+                <a16:creationId xmlns:a16="http://schemas.microsoft.com/office/drawing/2014/main" id="{00217959-159D-4366-A286-94AAC36FB054}"/>
+              </a:ext>
+            </a:extLst>
+          </p:cNvPr>
+          <p:cNvSpPr txBox="1"/>
+          <p:nvPr/>
+        </p:nvSpPr>
+        <p:spPr>
+          <a:xfrm>
+            <a:off x="4389715" y="4822388"/>
+            <a:ext cx="690874" cy="369332"/>
+          </a:xfrm>
+          <a:prstGeom prst="rect">
+            <a:avLst/>
+          </a:prstGeom>
+          <a:noFill/>
+        </p:spPr>
+        <p:txBody>
+          <a:bodyPr wrap="square" rtlCol="0">
+            <a:spAutoFit/>
+          </a:bodyPr>
+          <a:lstStyle/>
+          <a:p>
+            <a:r>
+              <a:rPr lang="fr-FR" dirty="0" err="1"/>
+              <a:t>Npar</a:t>
+            </a:r>
+            <a:endParaRPr lang="fr-BE" dirty="0"/>
+          </a:p>
+        </p:txBody>
+      </p:sp>
+      <p:sp>
+        <p:nvSpPr>
+          <p:cNvPr id="4" name="Accolade fermante 3">
+            <a:extLst>
+              <a:ext uri="{FF2B5EF4-FFF2-40B4-BE49-F238E27FC236}">
+                <a16:creationId xmlns:a16="http://schemas.microsoft.com/office/drawing/2014/main" id="{21312F85-6BD8-4B33-BD0A-7D3322DAE901}"/>
+              </a:ext>
+            </a:extLst>
+          </p:cNvPr>
+          <p:cNvSpPr/>
+          <p:nvPr/>
+        </p:nvSpPr>
+        <p:spPr>
+          <a:xfrm>
+            <a:off x="5806217" y="2304317"/>
+            <a:ext cx="78786" cy="708366"/>
+          </a:xfrm>
+          <a:prstGeom prst="rightBrace">
+            <a:avLst/>
+          </a:prstGeom>
+          <a:ln>
+            <a:solidFill>
+              <a:srgbClr val="7030A0"/>
+            </a:solidFill>
+          </a:ln>
+        </p:spPr>
+        <p:style>
+          <a:lnRef idx="1">
+            <a:schemeClr val="accent1"/>
+          </a:lnRef>
+          <a:fillRef idx="0">
+            <a:schemeClr val="accent1"/>
+          </a:fillRef>
+          <a:effectRef idx="0">
+            <a:schemeClr val="accent1"/>
+          </a:effectRef>
+          <a:fontRef idx="minor">
+            <a:schemeClr val="tx1"/>
+          </a:fontRef>
+        </p:style>
+        <p:txBody>
+          <a:bodyPr rtlCol="0" anchor="ctr"/>
+          <a:lstStyle/>
+          <a:p>
+            <a:pPr algn="ctr"/>
+            <a:endParaRPr lang="fr-BE"/>
+          </a:p>
+        </p:txBody>
+      </p:sp>
+      <p:sp>
+        <p:nvSpPr>
+          <p:cNvPr id="9" name="Accolade fermante 8">
+            <a:extLst>
+              <a:ext uri="{FF2B5EF4-FFF2-40B4-BE49-F238E27FC236}">
+                <a16:creationId xmlns:a16="http://schemas.microsoft.com/office/drawing/2014/main" id="{63F00545-9241-46D0-A664-D40246422222}"/>
+              </a:ext>
+            </a:extLst>
+          </p:cNvPr>
+          <p:cNvSpPr/>
+          <p:nvPr/>
+        </p:nvSpPr>
+        <p:spPr>
+          <a:xfrm>
+            <a:off x="5820674" y="4397094"/>
+            <a:ext cx="78786" cy="708366"/>
+          </a:xfrm>
+          <a:prstGeom prst="rightBrace">
+            <a:avLst/>
+          </a:prstGeom>
+          <a:ln>
+            <a:solidFill>
+              <a:srgbClr val="FF0000"/>
+            </a:solidFill>
+          </a:ln>
+        </p:spPr>
+        <p:style>
+          <a:lnRef idx="1">
+            <a:schemeClr val="accent1"/>
+          </a:lnRef>
+          <a:fillRef idx="0">
+            <a:schemeClr val="accent1"/>
+          </a:fillRef>
+          <a:effectRef idx="0">
+            <a:schemeClr val="accent1"/>
+          </a:effectRef>
+          <a:fontRef idx="minor">
+            <a:schemeClr val="tx1"/>
+          </a:fontRef>
+        </p:style>
+        <p:txBody>
+          <a:bodyPr rtlCol="0" anchor="ctr"/>
+          <a:lstStyle/>
+          <a:p>
+            <a:pPr algn="ctr"/>
+            <a:endParaRPr lang="fr-BE"/>
+          </a:p>
+        </p:txBody>
+      </p:sp>
+      <p:sp>
+        <p:nvSpPr>
+          <p:cNvPr id="6" name="ZoneTexte 23">
+            <a:extLst>
+              <a:ext uri="{FF2B5EF4-FFF2-40B4-BE49-F238E27FC236}">
+                <a16:creationId xmlns:a16="http://schemas.microsoft.com/office/drawing/2014/main" id="{126CA4F8-23D2-40AF-9BFF-B309EB78FEEA}"/>
+              </a:ext>
+            </a:extLst>
+          </p:cNvPr>
+          <p:cNvSpPr txBox="1"/>
+          <p:nvPr/>
+        </p:nvSpPr>
+        <p:spPr>
+          <a:xfrm>
+            <a:off x="1511403" y="3470401"/>
+            <a:ext cx="531802" cy="260530"/>
+          </a:xfrm>
+          <a:prstGeom prst="rect">
+            <a:avLst/>
+          </a:prstGeom>
+          <a:noFill/>
+        </p:spPr>
+        <p:txBody>
+          <a:bodyPr wrap="square" rtlCol="0">
+            <a:noAutofit/>
+          </a:bodyPr>
+          <a:lstStyle/>
+          <a:p>
+            <a:pPr>
+              <a:lnSpc>
+                <a:spcPct val="107000"/>
+              </a:lnSpc>
+              <a:spcAft>
+                <a:spcPts val="800"/>
+              </a:spcAft>
+            </a:pPr>
+            <a:r>
+              <a:rPr lang="fr-FR" sz="1200" kern="1200" dirty="0" err="1">
+                <a:solidFill>
+                  <a:srgbClr val="000000"/>
+                </a:solidFill>
+                <a:effectLst/>
+                <a:latin typeface="Calibri" panose="020F0502020204030204" pitchFamily="34" charset="0"/>
+                <a:ea typeface="Calibri" panose="020F0502020204030204" pitchFamily="34" charset="0"/>
+                <a:cs typeface="Times New Roman" panose="02020603050405020304" pitchFamily="18" charset="0"/>
+              </a:rPr>
+              <a:t>Npar</a:t>
+            </a:r>
+            <a:endParaRPr lang="fr-BE" sz="1600" dirty="0">
+              <a:effectLst/>
+              <a:latin typeface="Calibri" panose="020F0502020204030204" pitchFamily="34" charset="0"/>
+              <a:ea typeface="Calibri" panose="020F0502020204030204" pitchFamily="34" charset="0"/>
+              <a:cs typeface="Times New Roman" panose="02020603050405020304" pitchFamily="18" charset="0"/>
+            </a:endParaRPr>
+          </a:p>
+        </p:txBody>
+      </p:sp>
+      <p:sp>
+        <p:nvSpPr>
+          <p:cNvPr id="7" name="ZoneTexte 23">
+            <a:extLst>
+              <a:ext uri="{FF2B5EF4-FFF2-40B4-BE49-F238E27FC236}">
+                <a16:creationId xmlns:a16="http://schemas.microsoft.com/office/drawing/2014/main" id="{055E53A4-2A75-4967-BB8C-6AD1BD0E83B6}"/>
+              </a:ext>
+            </a:extLst>
+          </p:cNvPr>
+          <p:cNvSpPr txBox="1"/>
+          <p:nvPr/>
+        </p:nvSpPr>
+        <p:spPr>
+          <a:xfrm>
+            <a:off x="1506775" y="4122947"/>
+            <a:ext cx="531802" cy="260530"/>
+          </a:xfrm>
+          <a:prstGeom prst="rect">
+            <a:avLst/>
+          </a:prstGeom>
+          <a:noFill/>
+        </p:spPr>
+        <p:txBody>
+          <a:bodyPr wrap="square" rtlCol="0">
+            <a:noAutofit/>
+          </a:bodyPr>
+          <a:lstStyle/>
+          <a:p>
+            <a:pPr>
+              <a:lnSpc>
+                <a:spcPct val="107000"/>
+              </a:lnSpc>
+              <a:spcAft>
+                <a:spcPts val="800"/>
+              </a:spcAft>
+            </a:pPr>
+            <a:r>
+              <a:rPr lang="fr-FR" sz="1200" kern="1200" dirty="0" err="1">
+                <a:solidFill>
+                  <a:srgbClr val="000000"/>
+                </a:solidFill>
+                <a:effectLst/>
+                <a:latin typeface="Calibri" panose="020F0502020204030204" pitchFamily="34" charset="0"/>
+                <a:ea typeface="Calibri" panose="020F0502020204030204" pitchFamily="34" charset="0"/>
+                <a:cs typeface="Times New Roman" panose="02020603050405020304" pitchFamily="18" charset="0"/>
+              </a:rPr>
+              <a:t>Npar</a:t>
+            </a:r>
+            <a:endParaRPr lang="fr-BE" sz="1600" dirty="0">
+              <a:effectLst/>
+              <a:latin typeface="Calibri" panose="020F0502020204030204" pitchFamily="34" charset="0"/>
+              <a:ea typeface="Calibri" panose="020F0502020204030204" pitchFamily="34" charset="0"/>
+              <a:cs typeface="Times New Roman" panose="02020603050405020304" pitchFamily="18" charset="0"/>
+            </a:endParaRPr>
+          </a:p>
+        </p:txBody>
+      </p:sp>
+      <p:sp>
+        <p:nvSpPr>
+          <p:cNvPr id="8" name="ZoneTexte 23">
+            <a:extLst>
+              <a:ext uri="{FF2B5EF4-FFF2-40B4-BE49-F238E27FC236}">
+                <a16:creationId xmlns:a16="http://schemas.microsoft.com/office/drawing/2014/main" id="{F0C21DB1-8605-491D-B5A6-143117F4D25C}"/>
+              </a:ext>
+            </a:extLst>
+          </p:cNvPr>
+          <p:cNvSpPr txBox="1"/>
+          <p:nvPr/>
+        </p:nvSpPr>
+        <p:spPr>
+          <a:xfrm>
+            <a:off x="1513803" y="4667942"/>
+            <a:ext cx="531802" cy="260530"/>
+          </a:xfrm>
+          <a:prstGeom prst="rect">
+            <a:avLst/>
+          </a:prstGeom>
+          <a:noFill/>
+        </p:spPr>
+        <p:txBody>
+          <a:bodyPr wrap="square" rtlCol="0">
+            <a:noAutofit/>
+          </a:bodyPr>
+          <a:lstStyle/>
+          <a:p>
+            <a:pPr>
+              <a:lnSpc>
+                <a:spcPct val="107000"/>
+              </a:lnSpc>
+              <a:spcAft>
+                <a:spcPts val="800"/>
+              </a:spcAft>
+            </a:pPr>
+            <a:r>
+              <a:rPr lang="fr-FR" sz="1200" kern="1200" dirty="0" err="1">
+                <a:solidFill>
+                  <a:srgbClr val="000000"/>
+                </a:solidFill>
+                <a:effectLst/>
+                <a:latin typeface="Calibri" panose="020F0502020204030204" pitchFamily="34" charset="0"/>
+                <a:ea typeface="Calibri" panose="020F0502020204030204" pitchFamily="34" charset="0"/>
+                <a:cs typeface="Times New Roman" panose="02020603050405020304" pitchFamily="18" charset="0"/>
+              </a:rPr>
+              <a:t>Npar</a:t>
+            </a:r>
+            <a:endParaRPr lang="fr-BE" sz="1600" dirty="0">
+              <a:effectLst/>
+              <a:latin typeface="Calibri" panose="020F0502020204030204" pitchFamily="34" charset="0"/>
+              <a:ea typeface="Calibri" panose="020F0502020204030204" pitchFamily="34" charset="0"/>
+              <a:cs typeface="Times New Roman" panose="02020603050405020304" pitchFamily="18" charset="0"/>
+            </a:endParaRPr>
           </a:p>
         </p:txBody>
       </p:sp>
